--- a/ppt/principle3.pptx
+++ b/ppt/principle3.pptx
@@ -216,7 +216,7 @@
             <a:fld id="{D83FDC75-7F73-4A4A-A77C-09AADF00E0EA}" type="datetimeFigureOut">
               <a:rPr lang="en-US" smtClean="0"/>
               <a:pPr/>
-              <a:t>11/16/2013</a:t>
+              <a:t>11/18/2013</a:t>
             </a:fld>
             <a:endParaRPr lang="en-US" dirty="0"/>
           </a:p>
@@ -384,7 +384,7 @@
             <a:fld id="{48AEF76B-3757-4A0B-AF93-28494465C1DD}" type="datetimeFigureOut">
               <a:rPr lang="en-US" smtClean="0"/>
               <a:pPr/>
-              <a:t>11/16/2013</a:t>
+              <a:t>11/18/2013</a:t>
             </a:fld>
             <a:endParaRPr lang="en-US" dirty="0"/>
           </a:p>
@@ -5766,9 +5766,6 @@
               </a:rPr>
               <a:t>iAccessible.org</a:t>
             </a:r>
-            <a:endParaRPr lang="en-US" sz="2400" dirty="0" smtClean="0">
-              <a:latin typeface="+mn-lt"/>
-            </a:endParaRPr>
           </a:p>
         </p:txBody>
       </p:sp>
@@ -5871,8 +5868,17 @@
               <a:rPr lang="en-US" dirty="0">
                 <a:latin typeface="Calibri" charset="0"/>
               </a:rPr>
-              <a:t>When content is written above the lower secondary reading level provide a spoken version, visual representations and/or summaries</a:t>
-            </a:r>
+              <a:t>When content is written above the lower secondary reading level provide a spoken version, visual representations and/or </a:t>
+            </a:r>
+            <a:r>
+              <a:rPr lang="en-US" dirty="0" smtClean="0">
+                <a:latin typeface="Calibri" charset="0"/>
+              </a:rPr>
+              <a:t>summaries (AAA)</a:t>
+            </a:r>
+            <a:endParaRPr lang="en-US" dirty="0">
+              <a:latin typeface="Calibri" charset="0"/>
+            </a:endParaRPr>
           </a:p>
           <a:p>
             <a:r>
@@ -5881,6 +5887,15 @@
               </a:rPr>
               <a:t>A way to identify pronunciation is available when meaning is ambiguous without pronunciation </a:t>
             </a:r>
+            <a:r>
+              <a:rPr lang="en-US" dirty="0" smtClean="0">
+                <a:latin typeface="Calibri" charset="0"/>
+              </a:rPr>
+              <a:t>(AAA)</a:t>
+            </a:r>
+            <a:endParaRPr lang="en-US" dirty="0">
+              <a:latin typeface="Calibri" charset="0"/>
+            </a:endParaRPr>
           </a:p>
           <a:p>
             <a:endParaRPr lang="en-US" dirty="0"/>
@@ -6241,8 +6256,23 @@
               <a:rPr lang="en-US" dirty="0">
                 <a:latin typeface="Calibri" charset="0"/>
               </a:rPr>
-              <a:t>Forms that require text input have contextual help</a:t>
-            </a:r>
+              <a:t>Forms that require text input have </a:t>
+            </a:r>
+            <a:r>
+              <a:rPr lang="en-US">
+                <a:latin typeface="Calibri" charset="0"/>
+              </a:rPr>
+              <a:t>contextual </a:t>
+            </a:r>
+            <a:r>
+              <a:rPr lang="en-US" smtClean="0">
+                <a:latin typeface="Calibri" charset="0"/>
+              </a:rPr>
+              <a:t>help (AAA)</a:t>
+            </a:r>
+            <a:endParaRPr lang="en-US" dirty="0">
+              <a:latin typeface="Calibri" charset="0"/>
+            </a:endParaRPr>
           </a:p>
           <a:p>
             <a:endParaRPr lang="en-US" dirty="0"/>
